--- a/Chapter6/Figures/Fig10.pptx
+++ b/Chapter6/Figures/Fig10.pptx
@@ -288,7 +288,7 @@
           <a:p>
             <a:fld id="{38A6164D-E385-4537-A90F-469350B5DA52}" type="datetimeFigureOut">
               <a:rPr lang="en-GB" smtClean="0"/>
-              <a:t>21/05/2014</a:t>
+              <a:t>04/07/2014</a:t>
             </a:fld>
             <a:endParaRPr lang="en-GB"/>
           </a:p>
@@ -458,7 +458,7 @@
           <a:p>
             <a:fld id="{38A6164D-E385-4537-A90F-469350B5DA52}" type="datetimeFigureOut">
               <a:rPr lang="en-GB" smtClean="0"/>
-              <a:t>21/05/2014</a:t>
+              <a:t>04/07/2014</a:t>
             </a:fld>
             <a:endParaRPr lang="en-GB"/>
           </a:p>
@@ -638,7 +638,7 @@
           <a:p>
             <a:fld id="{38A6164D-E385-4537-A90F-469350B5DA52}" type="datetimeFigureOut">
               <a:rPr lang="en-GB" smtClean="0"/>
-              <a:t>21/05/2014</a:t>
+              <a:t>04/07/2014</a:t>
             </a:fld>
             <a:endParaRPr lang="en-GB"/>
           </a:p>
@@ -808,7 +808,7 @@
           <a:p>
             <a:fld id="{38A6164D-E385-4537-A90F-469350B5DA52}" type="datetimeFigureOut">
               <a:rPr lang="en-GB" smtClean="0"/>
-              <a:t>21/05/2014</a:t>
+              <a:t>04/07/2014</a:t>
             </a:fld>
             <a:endParaRPr lang="en-GB"/>
           </a:p>
@@ -1054,7 +1054,7 @@
           <a:p>
             <a:fld id="{38A6164D-E385-4537-A90F-469350B5DA52}" type="datetimeFigureOut">
               <a:rPr lang="en-GB" smtClean="0"/>
-              <a:t>21/05/2014</a:t>
+              <a:t>04/07/2014</a:t>
             </a:fld>
             <a:endParaRPr lang="en-GB"/>
           </a:p>
@@ -1342,7 +1342,7 @@
           <a:p>
             <a:fld id="{38A6164D-E385-4537-A90F-469350B5DA52}" type="datetimeFigureOut">
               <a:rPr lang="en-GB" smtClean="0"/>
-              <a:t>21/05/2014</a:t>
+              <a:t>04/07/2014</a:t>
             </a:fld>
             <a:endParaRPr lang="en-GB"/>
           </a:p>
@@ -1769,7 +1769,7 @@
           <a:p>
             <a:fld id="{38A6164D-E385-4537-A90F-469350B5DA52}" type="datetimeFigureOut">
               <a:rPr lang="en-GB" smtClean="0"/>
-              <a:t>21/05/2014</a:t>
+              <a:t>04/07/2014</a:t>
             </a:fld>
             <a:endParaRPr lang="en-GB"/>
           </a:p>
@@ -1887,7 +1887,7 @@
           <a:p>
             <a:fld id="{38A6164D-E385-4537-A90F-469350B5DA52}" type="datetimeFigureOut">
               <a:rPr lang="en-GB" smtClean="0"/>
-              <a:t>21/05/2014</a:t>
+              <a:t>04/07/2014</a:t>
             </a:fld>
             <a:endParaRPr lang="en-GB"/>
           </a:p>
@@ -1982,7 +1982,7 @@
           <a:p>
             <a:fld id="{38A6164D-E385-4537-A90F-469350B5DA52}" type="datetimeFigureOut">
               <a:rPr lang="en-GB" smtClean="0"/>
-              <a:t>21/05/2014</a:t>
+              <a:t>04/07/2014</a:t>
             </a:fld>
             <a:endParaRPr lang="en-GB"/>
           </a:p>
@@ -2259,7 +2259,7 @@
           <a:p>
             <a:fld id="{38A6164D-E385-4537-A90F-469350B5DA52}" type="datetimeFigureOut">
               <a:rPr lang="en-GB" smtClean="0"/>
-              <a:t>21/05/2014</a:t>
+              <a:t>04/07/2014</a:t>
             </a:fld>
             <a:endParaRPr lang="en-GB"/>
           </a:p>
@@ -2512,7 +2512,7 @@
           <a:p>
             <a:fld id="{38A6164D-E385-4537-A90F-469350B5DA52}" type="datetimeFigureOut">
               <a:rPr lang="en-GB" smtClean="0"/>
-              <a:t>21/05/2014</a:t>
+              <a:t>04/07/2014</a:t>
             </a:fld>
             <a:endParaRPr lang="en-GB"/>
           </a:p>
@@ -2725,7 +2725,7 @@
           <a:p>
             <a:fld id="{38A6164D-E385-4537-A90F-469350B5DA52}" type="datetimeFigureOut">
               <a:rPr lang="en-GB" smtClean="0"/>
-              <a:t>21/05/2014</a:t>
+              <a:t>04/07/2014</a:t>
             </a:fld>
             <a:endParaRPr lang="en-GB"/>
           </a:p>
@@ -3297,7 +3297,7 @@
         </p:nvCxnSpPr>
         <p:spPr>
           <a:xfrm>
-            <a:off x="1521563" y="138640"/>
+            <a:off x="1531088" y="138640"/>
             <a:ext cx="0" cy="4860000"/>
           </a:xfrm>
           <a:prstGeom prst="line">

--- a/Chapter6/Figures/Fig10.pptx
+++ b/Chapter6/Figures/Fig10.pptx
@@ -288,7 +288,7 @@
           <a:p>
             <a:fld id="{38A6164D-E385-4537-A90F-469350B5DA52}" type="datetimeFigureOut">
               <a:rPr lang="en-GB" smtClean="0"/>
-              <a:t>04/07/2014</a:t>
+              <a:t>19/10/2014</a:t>
             </a:fld>
             <a:endParaRPr lang="en-GB"/>
           </a:p>
@@ -458,7 +458,7 @@
           <a:p>
             <a:fld id="{38A6164D-E385-4537-A90F-469350B5DA52}" type="datetimeFigureOut">
               <a:rPr lang="en-GB" smtClean="0"/>
-              <a:t>04/07/2014</a:t>
+              <a:t>19/10/2014</a:t>
             </a:fld>
             <a:endParaRPr lang="en-GB"/>
           </a:p>
@@ -638,7 +638,7 @@
           <a:p>
             <a:fld id="{38A6164D-E385-4537-A90F-469350B5DA52}" type="datetimeFigureOut">
               <a:rPr lang="en-GB" smtClean="0"/>
-              <a:t>04/07/2014</a:t>
+              <a:t>19/10/2014</a:t>
             </a:fld>
             <a:endParaRPr lang="en-GB"/>
           </a:p>
@@ -808,7 +808,7 @@
           <a:p>
             <a:fld id="{38A6164D-E385-4537-A90F-469350B5DA52}" type="datetimeFigureOut">
               <a:rPr lang="en-GB" smtClean="0"/>
-              <a:t>04/07/2014</a:t>
+              <a:t>19/10/2014</a:t>
             </a:fld>
             <a:endParaRPr lang="en-GB"/>
           </a:p>
@@ -1054,7 +1054,7 @@
           <a:p>
             <a:fld id="{38A6164D-E385-4537-A90F-469350B5DA52}" type="datetimeFigureOut">
               <a:rPr lang="en-GB" smtClean="0"/>
-              <a:t>04/07/2014</a:t>
+              <a:t>19/10/2014</a:t>
             </a:fld>
             <a:endParaRPr lang="en-GB"/>
           </a:p>
@@ -1342,7 +1342,7 @@
           <a:p>
             <a:fld id="{38A6164D-E385-4537-A90F-469350B5DA52}" type="datetimeFigureOut">
               <a:rPr lang="en-GB" smtClean="0"/>
-              <a:t>04/07/2014</a:t>
+              <a:t>19/10/2014</a:t>
             </a:fld>
             <a:endParaRPr lang="en-GB"/>
           </a:p>
@@ -1769,7 +1769,7 @@
           <a:p>
             <a:fld id="{38A6164D-E385-4537-A90F-469350B5DA52}" type="datetimeFigureOut">
               <a:rPr lang="en-GB" smtClean="0"/>
-              <a:t>04/07/2014</a:t>
+              <a:t>19/10/2014</a:t>
             </a:fld>
             <a:endParaRPr lang="en-GB"/>
           </a:p>
@@ -1887,7 +1887,7 @@
           <a:p>
             <a:fld id="{38A6164D-E385-4537-A90F-469350B5DA52}" type="datetimeFigureOut">
               <a:rPr lang="en-GB" smtClean="0"/>
-              <a:t>04/07/2014</a:t>
+              <a:t>19/10/2014</a:t>
             </a:fld>
             <a:endParaRPr lang="en-GB"/>
           </a:p>
@@ -1982,7 +1982,7 @@
           <a:p>
             <a:fld id="{38A6164D-E385-4537-A90F-469350B5DA52}" type="datetimeFigureOut">
               <a:rPr lang="en-GB" smtClean="0"/>
-              <a:t>04/07/2014</a:t>
+              <a:t>19/10/2014</a:t>
             </a:fld>
             <a:endParaRPr lang="en-GB"/>
           </a:p>
@@ -2259,7 +2259,7 @@
           <a:p>
             <a:fld id="{38A6164D-E385-4537-A90F-469350B5DA52}" type="datetimeFigureOut">
               <a:rPr lang="en-GB" smtClean="0"/>
-              <a:t>04/07/2014</a:t>
+              <a:t>19/10/2014</a:t>
             </a:fld>
             <a:endParaRPr lang="en-GB"/>
           </a:p>
@@ -2512,7 +2512,7 @@
           <a:p>
             <a:fld id="{38A6164D-E385-4537-A90F-469350B5DA52}" type="datetimeFigureOut">
               <a:rPr lang="en-GB" smtClean="0"/>
-              <a:t>04/07/2014</a:t>
+              <a:t>19/10/2014</a:t>
             </a:fld>
             <a:endParaRPr lang="en-GB"/>
           </a:p>
@@ -2725,7 +2725,7 @@
           <a:p>
             <a:fld id="{38A6164D-E385-4537-A90F-469350B5DA52}" type="datetimeFigureOut">
               <a:rPr lang="en-GB" smtClean="0"/>
-              <a:t>04/07/2014</a:t>
+              <a:t>19/10/2014</a:t>
             </a:fld>
             <a:endParaRPr lang="en-GB"/>
           </a:p>
@@ -3102,7 +3102,7 @@
       </p:grpSpPr>
       <p:pic>
         <p:nvPicPr>
-          <p:cNvPr id="6" name="Picture 3" descr="C:\Users\Wendy\Documents\wwn20\Thesis\Chapter6\Figures\CHPI_Au_lith_spec.png"/>
+          <p:cNvPr id="1026" name="Picture 2" descr="C:\Users\Wendy\Documents\wwn20\Thesis\Chapter6\Figures\CHPI_Au_lith_spec.png"/>
           <p:cNvPicPr>
             <a:picLocks noChangeAspect="1" noChangeArrowheads="1"/>
           </p:cNvPicPr>
@@ -3123,8 +3123,8 @@
         </p:blipFill>
         <p:spPr bwMode="auto">
           <a:xfrm>
-            <a:off x="41142" y="-72217"/>
-            <a:ext cx="4914900" cy="5638800"/>
+            <a:off x="41141" y="-72217"/>
+            <a:ext cx="4914901" cy="5638800"/>
           </a:xfrm>
           <a:prstGeom prst="rect">
             <a:avLst/>
